--- a/win10自带ubuntu18.04LTS安装地震相关软件教程_20231201.pptx
+++ b/win10自带ubuntu18.04LTS安装地震相关软件教程_20231201.pptx
@@ -260,7 +260,7 @@
           <a:p>
             <a:fld id="{197A946E-8EF2-4E4E-BECD-85EC5D564435}" type="datetimeFigureOut">
               <a:rPr lang="zh-CN" altLang="en-US" smtClean="0"/>
-              <a:t>2023/12/1</a:t>
+              <a:t>2023/12/21</a:t>
             </a:fld>
             <a:endParaRPr lang="zh-CN" altLang="en-US"/>
           </a:p>
@@ -458,7 +458,7 @@
           <a:p>
             <a:fld id="{197A946E-8EF2-4E4E-BECD-85EC5D564435}" type="datetimeFigureOut">
               <a:rPr lang="zh-CN" altLang="en-US" smtClean="0"/>
-              <a:t>2023/12/1</a:t>
+              <a:t>2023/12/21</a:t>
             </a:fld>
             <a:endParaRPr lang="zh-CN" altLang="en-US"/>
           </a:p>
@@ -666,7 +666,7 @@
           <a:p>
             <a:fld id="{197A946E-8EF2-4E4E-BECD-85EC5D564435}" type="datetimeFigureOut">
               <a:rPr lang="zh-CN" altLang="en-US" smtClean="0"/>
-              <a:t>2023/12/1</a:t>
+              <a:t>2023/12/21</a:t>
             </a:fld>
             <a:endParaRPr lang="zh-CN" altLang="en-US"/>
           </a:p>
@@ -864,7 +864,7 @@
           <a:p>
             <a:fld id="{197A946E-8EF2-4E4E-BECD-85EC5D564435}" type="datetimeFigureOut">
               <a:rPr lang="zh-CN" altLang="en-US" smtClean="0"/>
-              <a:t>2023/12/1</a:t>
+              <a:t>2023/12/21</a:t>
             </a:fld>
             <a:endParaRPr lang="zh-CN" altLang="en-US"/>
           </a:p>
@@ -1139,7 +1139,7 @@
           <a:p>
             <a:fld id="{197A946E-8EF2-4E4E-BECD-85EC5D564435}" type="datetimeFigureOut">
               <a:rPr lang="zh-CN" altLang="en-US" smtClean="0"/>
-              <a:t>2023/12/1</a:t>
+              <a:t>2023/12/21</a:t>
             </a:fld>
             <a:endParaRPr lang="zh-CN" altLang="en-US"/>
           </a:p>
@@ -1404,7 +1404,7 @@
           <a:p>
             <a:fld id="{197A946E-8EF2-4E4E-BECD-85EC5D564435}" type="datetimeFigureOut">
               <a:rPr lang="zh-CN" altLang="en-US" smtClean="0"/>
-              <a:t>2023/12/1</a:t>
+              <a:t>2023/12/21</a:t>
             </a:fld>
             <a:endParaRPr lang="zh-CN" altLang="en-US"/>
           </a:p>
@@ -1816,7 +1816,7 @@
           <a:p>
             <a:fld id="{197A946E-8EF2-4E4E-BECD-85EC5D564435}" type="datetimeFigureOut">
               <a:rPr lang="zh-CN" altLang="en-US" smtClean="0"/>
-              <a:t>2023/12/1</a:t>
+              <a:t>2023/12/21</a:t>
             </a:fld>
             <a:endParaRPr lang="zh-CN" altLang="en-US"/>
           </a:p>
@@ -1957,7 +1957,7 @@
           <a:p>
             <a:fld id="{197A946E-8EF2-4E4E-BECD-85EC5D564435}" type="datetimeFigureOut">
               <a:rPr lang="zh-CN" altLang="en-US" smtClean="0"/>
-              <a:t>2023/12/1</a:t>
+              <a:t>2023/12/21</a:t>
             </a:fld>
             <a:endParaRPr lang="zh-CN" altLang="en-US"/>
           </a:p>
@@ -2070,7 +2070,7 @@
           <a:p>
             <a:fld id="{197A946E-8EF2-4E4E-BECD-85EC5D564435}" type="datetimeFigureOut">
               <a:rPr lang="zh-CN" altLang="en-US" smtClean="0"/>
-              <a:t>2023/12/1</a:t>
+              <a:t>2023/12/21</a:t>
             </a:fld>
             <a:endParaRPr lang="zh-CN" altLang="en-US"/>
           </a:p>
@@ -2381,7 +2381,7 @@
           <a:p>
             <a:fld id="{197A946E-8EF2-4E4E-BECD-85EC5D564435}" type="datetimeFigureOut">
               <a:rPr lang="zh-CN" altLang="en-US" smtClean="0"/>
-              <a:t>2023/12/1</a:t>
+              <a:t>2023/12/21</a:t>
             </a:fld>
             <a:endParaRPr lang="zh-CN" altLang="en-US"/>
           </a:p>
@@ -2669,7 +2669,7 @@
           <a:p>
             <a:fld id="{197A946E-8EF2-4E4E-BECD-85EC5D564435}" type="datetimeFigureOut">
               <a:rPr lang="zh-CN" altLang="en-US" smtClean="0"/>
-              <a:t>2023/12/1</a:t>
+              <a:t>2023/12/21</a:t>
             </a:fld>
             <a:endParaRPr lang="zh-CN" altLang="en-US"/>
           </a:p>
@@ -2910,7 +2910,7 @@
           <a:p>
             <a:fld id="{197A946E-8EF2-4E4E-BECD-85EC5D564435}" type="datetimeFigureOut">
               <a:rPr lang="zh-CN" altLang="en-US" smtClean="0"/>
-              <a:t>2023/12/1</a:t>
+              <a:t>2023/12/21</a:t>
             </a:fld>
             <a:endParaRPr lang="zh-CN" altLang="en-US"/>
           </a:p>
@@ -3541,7 +3541,7 @@
         </p:nvSpPr>
         <p:spPr>
           <a:xfrm>
-            <a:off x="451159" y="3565698"/>
+            <a:off x="301695" y="3597361"/>
             <a:ext cx="1683474" cy="369332"/>
           </a:xfrm>
           <a:prstGeom prst="rect">
